--- a/Python  Tut-04.pptx
+++ b/Python  Tut-04.pptx
@@ -252,7 +252,7 @@
           <a:p>
             <a:fld id="{6B204C76-62AF-4A47-BD74-85C08E4F921E}" type="datetimeFigureOut">
               <a:rPr lang="en-IN" smtClean="0"/>
-              <a:t>12-09-2024</a:t>
+              <a:t>08-01-2026</a:t>
             </a:fld>
             <a:endParaRPr lang="en-IN"/>
           </a:p>
@@ -422,7 +422,7 @@
           <a:p>
             <a:fld id="{6B204C76-62AF-4A47-BD74-85C08E4F921E}" type="datetimeFigureOut">
               <a:rPr lang="en-IN" smtClean="0"/>
-              <a:t>12-09-2024</a:t>
+              <a:t>08-01-2026</a:t>
             </a:fld>
             <a:endParaRPr lang="en-IN"/>
           </a:p>
@@ -602,7 +602,7 @@
           <a:p>
             <a:fld id="{6B204C76-62AF-4A47-BD74-85C08E4F921E}" type="datetimeFigureOut">
               <a:rPr lang="en-IN" smtClean="0"/>
-              <a:t>12-09-2024</a:t>
+              <a:t>08-01-2026</a:t>
             </a:fld>
             <a:endParaRPr lang="en-IN"/>
           </a:p>
@@ -772,7 +772,7 @@
           <a:p>
             <a:fld id="{6B204C76-62AF-4A47-BD74-85C08E4F921E}" type="datetimeFigureOut">
               <a:rPr lang="en-IN" smtClean="0"/>
-              <a:t>12-09-2024</a:t>
+              <a:t>08-01-2026</a:t>
             </a:fld>
             <a:endParaRPr lang="en-IN"/>
           </a:p>
@@ -1018,7 +1018,7 @@
           <a:p>
             <a:fld id="{6B204C76-62AF-4A47-BD74-85C08E4F921E}" type="datetimeFigureOut">
               <a:rPr lang="en-IN" smtClean="0"/>
-              <a:t>12-09-2024</a:t>
+              <a:t>08-01-2026</a:t>
             </a:fld>
             <a:endParaRPr lang="en-IN"/>
           </a:p>
@@ -1250,7 +1250,7 @@
           <a:p>
             <a:fld id="{6B204C76-62AF-4A47-BD74-85C08E4F921E}" type="datetimeFigureOut">
               <a:rPr lang="en-IN" smtClean="0"/>
-              <a:t>12-09-2024</a:t>
+              <a:t>08-01-2026</a:t>
             </a:fld>
             <a:endParaRPr lang="en-IN"/>
           </a:p>
@@ -1617,7 +1617,7 @@
           <a:p>
             <a:fld id="{6B204C76-62AF-4A47-BD74-85C08E4F921E}" type="datetimeFigureOut">
               <a:rPr lang="en-IN" smtClean="0"/>
-              <a:t>12-09-2024</a:t>
+              <a:t>08-01-2026</a:t>
             </a:fld>
             <a:endParaRPr lang="en-IN"/>
           </a:p>
@@ -1735,7 +1735,7 @@
           <a:p>
             <a:fld id="{6B204C76-62AF-4A47-BD74-85C08E4F921E}" type="datetimeFigureOut">
               <a:rPr lang="en-IN" smtClean="0"/>
-              <a:t>12-09-2024</a:t>
+              <a:t>08-01-2026</a:t>
             </a:fld>
             <a:endParaRPr lang="en-IN"/>
           </a:p>
@@ -1830,7 +1830,7 @@
           <a:p>
             <a:fld id="{6B204C76-62AF-4A47-BD74-85C08E4F921E}" type="datetimeFigureOut">
               <a:rPr lang="en-IN" smtClean="0"/>
-              <a:t>12-09-2024</a:t>
+              <a:t>08-01-2026</a:t>
             </a:fld>
             <a:endParaRPr lang="en-IN"/>
           </a:p>
@@ -2107,7 +2107,7 @@
           <a:p>
             <a:fld id="{6B204C76-62AF-4A47-BD74-85C08E4F921E}" type="datetimeFigureOut">
               <a:rPr lang="en-IN" smtClean="0"/>
-              <a:t>12-09-2024</a:t>
+              <a:t>08-01-2026</a:t>
             </a:fld>
             <a:endParaRPr lang="en-IN"/>
           </a:p>
@@ -2360,7 +2360,7 @@
           <a:p>
             <a:fld id="{6B204C76-62AF-4A47-BD74-85C08E4F921E}" type="datetimeFigureOut">
               <a:rPr lang="en-IN" smtClean="0"/>
-              <a:t>12-09-2024</a:t>
+              <a:t>08-01-2026</a:t>
             </a:fld>
             <a:endParaRPr lang="en-IN"/>
           </a:p>
@@ -2573,7 +2573,7 @@
           <a:p>
             <a:fld id="{6B204C76-62AF-4A47-BD74-85C08E4F921E}" type="datetimeFigureOut">
               <a:rPr lang="en-IN" smtClean="0"/>
-              <a:t>12-09-2024</a:t>
+              <a:t>08-01-2026</a:t>
             </a:fld>
             <a:endParaRPr lang="en-IN"/>
           </a:p>
@@ -4212,7 +4212,15 @@
             </a:r>
             <a:r>
               <a:rPr lang="en-GB" dirty="0"/>
-              <a:t>are 33 reserved words available in Python. </a:t>
+              <a:t>are </a:t>
+            </a:r>
+            <a:r>
+              <a:rPr lang="en-GB" dirty="0" smtClean="0"/>
+              <a:t>35  </a:t>
+            </a:r>
+            <a:r>
+              <a:rPr lang="en-GB" dirty="0"/>
+              <a:t>reserved words available in Python. </a:t>
             </a:r>
             <a:endParaRPr lang="en-GB" dirty="0" smtClean="0"/>
           </a:p>
@@ -4251,8 +4259,21 @@
           <a:p>
             <a:r>
               <a:rPr lang="en-GB" dirty="0" smtClean="0"/>
-              <a:t>try, except, finally, raise, assert</a:t>
-            </a:r>
+              <a:t>try, except, finally, raise, </a:t>
+            </a:r>
+            <a:r>
+              <a:rPr lang="en-GB" dirty="0" smtClean="0"/>
+              <a:t>assert, </a:t>
+            </a:r>
+            <a:r>
+              <a:rPr lang="en-GB" dirty="0" err="1" smtClean="0"/>
+              <a:t>async</a:t>
+            </a:r>
+            <a:r>
+              <a:rPr lang="en-GB" dirty="0" smtClean="0"/>
+              <a:t>, await</a:t>
+            </a:r>
+            <a:endParaRPr lang="en-GB" dirty="0" smtClean="0"/>
           </a:p>
           <a:p>
             <a:r>
@@ -4346,8 +4367,16 @@
               <a:buAutoNum type="arabicPeriod"/>
             </a:pPr>
             <a:r>
+              <a:rPr lang="en-GB"/>
+              <a:t>All </a:t>
+            </a:r>
+            <a:r>
+              <a:rPr lang="en-GB" smtClean="0"/>
+              <a:t>35 </a:t>
+            </a:r>
+            <a:r>
               <a:rPr lang="en-GB" dirty="0"/>
-              <a:t>All 33 keywords contains only alphabets symbols. </a:t>
+              <a:t>keywords contains only alphabets symbols. </a:t>
             </a:r>
           </a:p>
           <a:p>
